--- a/lessons/intro_to_scripting/presentations/scripting.pptx
+++ b/lessons/intro_to_scripting/presentations/scripting.pptx
@@ -133,7 +133,7 @@
 <file path=ppt/revisionInfo.xml><?xml version="1.0" encoding="utf-8"?>
 <p1510:revInfo xmlns:a="http://schemas.openxmlformats.org/drawingml/2006/main" xmlns:r="http://schemas.openxmlformats.org/officeDocument/2006/relationships" xmlns:p1510="http://schemas.microsoft.com/office/powerpoint/2015/10/main">
   <p1510:revLst>
-    <p1510:client id="{C4337C6E-6317-48A0-95EB-7C876B68FA67}" v="60" dt="2026-01-29T21:47:08.121"/>
+    <p1510:client id="{C4337C6E-6317-48A0-95EB-7C876B68FA67}" v="61" dt="2026-01-30T00:06:06.046"/>
   </p1510:revLst>
 </p1510:revInfo>
 </file>
@@ -143,7 +143,7 @@
   <pc:docChgLst>
     <pc:chgData name="Jacob Tye" userId="65099887-eb74-45b6-990f-7b89b11dffe2" providerId="ADAL" clId="{256E048D-C08D-4454-8E7F-4114E74922DA}"/>
     <pc:docChg chg="undo custSel addSld delSld modSld sldOrd">
-      <pc:chgData name="Jacob Tye" userId="65099887-eb74-45b6-990f-7b89b11dffe2" providerId="ADAL" clId="{256E048D-C08D-4454-8E7F-4114E74922DA}" dt="2026-01-29T21:47:08.120" v="431"/>
+      <pc:chgData name="Jacob Tye" userId="65099887-eb74-45b6-990f-7b89b11dffe2" providerId="ADAL" clId="{256E048D-C08D-4454-8E7F-4114E74922DA}" dt="2026-01-30T00:06:08.680" v="435" actId="1076"/>
       <pc:docMkLst>
         <pc:docMk/>
       </pc:docMkLst>
@@ -318,8 +318,8 @@
           </ac:picMkLst>
         </pc:picChg>
       </pc:sldChg>
-      <pc:sldChg chg="modSp mod">
-        <pc:chgData name="Jacob Tye" userId="65099887-eb74-45b6-990f-7b89b11dffe2" providerId="ADAL" clId="{256E048D-C08D-4454-8E7F-4114E74922DA}" dt="2026-01-29T21:29:30.075" v="380" actId="20577"/>
+      <pc:sldChg chg="modSp add del mod">
+        <pc:chgData name="Jacob Tye" userId="65099887-eb74-45b6-990f-7b89b11dffe2" providerId="ADAL" clId="{256E048D-C08D-4454-8E7F-4114E74922DA}" dt="2026-01-30T00:05:23.548" v="433" actId="2696"/>
         <pc:sldMkLst>
           <pc:docMk/>
           <pc:sldMk cId="0" sldId="263"/>
@@ -448,8 +448,8 @@
           </ac:spMkLst>
         </pc:spChg>
       </pc:sldChg>
-      <pc:sldChg chg="modSp mod">
-        <pc:chgData name="Jacob Tye" userId="65099887-eb74-45b6-990f-7b89b11dffe2" providerId="ADAL" clId="{256E048D-C08D-4454-8E7F-4114E74922DA}" dt="2026-01-29T21:45:45.263" v="418" actId="20577"/>
+      <pc:sldChg chg="addSp modSp mod">
+        <pc:chgData name="Jacob Tye" userId="65099887-eb74-45b6-990f-7b89b11dffe2" providerId="ADAL" clId="{256E048D-C08D-4454-8E7F-4114E74922DA}" dt="2026-01-30T00:06:08.680" v="435" actId="1076"/>
         <pc:sldMkLst>
           <pc:docMk/>
           <pc:sldMk cId="0" sldId="269"/>
@@ -470,6 +470,14 @@
             <ac:spMk id="3" creationId="{00000000-0000-0000-0000-000000000000}"/>
           </ac:spMkLst>
         </pc:spChg>
+        <pc:picChg chg="add mod">
+          <ac:chgData name="Jacob Tye" userId="65099887-eb74-45b6-990f-7b89b11dffe2" providerId="ADAL" clId="{256E048D-C08D-4454-8E7F-4114E74922DA}" dt="2026-01-30T00:06:08.680" v="435" actId="1076"/>
+          <ac:picMkLst>
+            <pc:docMk/>
+            <pc:sldMk cId="0" sldId="269"/>
+            <ac:picMk id="4" creationId="{4C06C16D-E277-8CD8-2D16-C70D65FDBEA5}"/>
+          </ac:picMkLst>
+        </pc:picChg>
       </pc:sldChg>
       <pc:sldChg chg="del">
         <pc:chgData name="Jacob Tye" userId="65099887-eb74-45b6-990f-7b89b11dffe2" providerId="ADAL" clId="{256E048D-C08D-4454-8E7F-4114E74922DA}" dt="2026-01-29T21:45:48.440" v="419" actId="47"/>
@@ -19993,6 +20001,37 @@
           </a:p>
         </p:txBody>
       </p:sp>
+      <p:pic>
+        <p:nvPicPr>
+          <p:cNvPr id="4" name="Picture 3">
+            <a:extLst>
+              <a:ext uri="{FF2B5EF4-FFF2-40B4-BE49-F238E27FC236}">
+                <a16:creationId xmlns:a16="http://schemas.microsoft.com/office/drawing/2014/main" id="{4C06C16D-E277-8CD8-2D16-C70D65FDBEA5}"/>
+              </a:ext>
+            </a:extLst>
+          </p:cNvPr>
+          <p:cNvPicPr>
+            <a:picLocks noChangeAspect="1"/>
+          </p:cNvPicPr>
+          <p:nvPr/>
+        </p:nvPicPr>
+        <p:blipFill>
+          <a:blip r:embed="rId3"/>
+          <a:stretch>
+            <a:fillRect/>
+          </a:stretch>
+        </p:blipFill>
+        <p:spPr>
+          <a:xfrm>
+            <a:off x="4858715" y="3278712"/>
+            <a:ext cx="4682715" cy="4682715"/>
+          </a:xfrm>
+          <a:prstGeom prst="rect">
+            <a:avLst/>
+          </a:prstGeom>
+          <a:noFill/>
+        </p:spPr>
+      </p:pic>
     </p:spTree>
   </p:cSld>
   <p:clrMapOvr>
